--- a/module6/6-slides.pptx
+++ b/module6/6-slides.pptx
@@ -1314,14 +1314,14 @@
               <a:t>The ACLU gathered demographic data on all of these </a:t>
             </a:r>
             <a:r>
-              <a:rPr lang="en-US" b="0" i="0" dirty="0" err="1">
+              <a:rPr lang="en-US" b="0" i="0" dirty="0" smtClean="0">
                 <a:solidFill>
                   <a:srgbClr val="494E52"/>
                 </a:solidFill>
                 <a:effectLst/>
                 <a:latin typeface="-apple-system"/>
               </a:rPr>
-              <a:t>prosepective</a:t>
+              <a:t>prospective </a:t>
             </a:r>
             <a:r>
               <a:rPr lang="en-US" b="0" i="0" dirty="0">
@@ -1331,7 +1331,7 @@
                 <a:effectLst/>
                 <a:latin typeface="-apple-system"/>
               </a:rPr>
-              <a:t> jurors, and compared those data with the composition of all eligible jurors in the county.</a:t>
+              <a:t>jurors, and compared those data with the composition of all eligible jurors in the county.</a:t>
             </a:r>
           </a:p>
           <a:p>
@@ -1356,12 +1356,12 @@
               <a:t>We will explore the </a:t>
             </a:r>
             <a:r>
-              <a:rPr lang="en-US" dirty="0" err="1"/>
-              <a:t>comnposition</a:t>
+              <a:rPr lang="en-US" dirty="0" smtClean="0"/>
+              <a:t>composition </a:t>
             </a:r>
             <a:r>
               <a:rPr lang="en-US" dirty="0"/>
-              <a:t> of the panels and do some visualizations</a:t>
+              <a:t>of the panels and do some visualizations</a:t>
             </a:r>
           </a:p>
           <a:p>
@@ -2199,14 +2199,14 @@
               <a:t>If value is large – </a:t>
             </a:r>
             <a:r>
-              <a:rPr lang="en-US" b="0" i="0" dirty="0" err="1">
+              <a:rPr lang="en-US" b="0" i="0" dirty="0" smtClean="0">
                 <a:solidFill>
                   <a:srgbClr val="494E52"/>
                 </a:solidFill>
                 <a:effectLst/>
                 <a:latin typeface="-apple-system"/>
               </a:rPr>
-              <a:t>favours</a:t>
+              <a:t>favors </a:t>
             </a:r>
             <a:r>
               <a:rPr lang="en-US" b="0" i="0" dirty="0">
@@ -2216,7 +2216,7 @@
                 <a:effectLst/>
                 <a:latin typeface="-apple-system"/>
               </a:rPr>
-              <a:t> Swain’s hypothesis</a:t>
+              <a:t>Swain’s hypothesis</a:t>
             </a:r>
           </a:p>
           <a:p>
@@ -2233,6 +2233,10 @@
             </a:r>
           </a:p>
           <a:p>
+            <a:r>
+              <a:rPr lang="en-US" dirty="0"/>
+              <a:t/>
+            </a:r>
             <a:br>
               <a:rPr lang="en-US" dirty="0"/>
             </a:br>
@@ -3462,32 +3466,6 @@
           <a:bodyPr/>
           <a:lstStyle/>
           <a:p>
-            <a:r>
-              <a:rPr lang="en-US" b="0" i="0" dirty="0">
-                <a:solidFill>
-                  <a:srgbClr val="333333"/>
-                </a:solidFill>
-                <a:effectLst/>
-                <a:latin typeface="-apple-system"/>
-              </a:rPr>
-              <a:t>We can use </a:t>
-            </a:r>
-            <a:r>
-              <a:rPr lang="en-US" dirty="0" err="1">
-                <a:effectLst/>
-              </a:rPr>
-              <a:t>sample_proportions</a:t>
-            </a:r>
-            <a:r>
-              <a:rPr lang="en-US" b="0" i="0" dirty="0">
-                <a:solidFill>
-                  <a:srgbClr val="333333"/>
-                </a:solidFill>
-                <a:effectLst/>
-                <a:latin typeface="-apple-system"/>
-              </a:rPr>
-              <a:t> to simulate one value of the statistic. The sample size is 100, the size of the panel. The distribution from which we will sample is the distribution in the population of eligible jurors. Since 26% of them were Black, we will sample from the distribution specified by the proportions [0.26, 0.74].</a:t>
-            </a:r>
             <a:endParaRPr lang="en-US" dirty="0"/>
           </a:p>
         </p:txBody>
@@ -4215,18 +4193,10 @@
             <a:endParaRPr lang="en-US" dirty="0"/>
           </a:p>
           <a:p>
-            <a:pPr lvl="1"/>
-            <a:r>
-              <a:rPr lang="en-US" sz="2250" b="0" i="0" dirty="0">
-                <a:solidFill>
-                  <a:srgbClr val="494E52"/>
-                </a:solidFill>
-                <a:effectLst/>
-              </a:rPr>
-              <a:t>When assumptions are at odds with reality, we have to question those assumptions.</a:t>
-            </a:r>
-          </a:p>
-          <a:p>
+            <a:r>
+              <a:rPr lang="en-US" dirty="0"/>
+              <a:t/>
+            </a:r>
             <a:br>
               <a:rPr lang="en-US" dirty="0"/>
             </a:br>
@@ -4548,6 +4518,10 @@
             </a:r>
           </a:p>
           <a:p>
+            <a:r>
+              <a:rPr lang="en-US" dirty="0"/>
+              <a:t/>
+            </a:r>
             <a:br>
               <a:rPr lang="en-US" dirty="0"/>
             </a:br>
@@ -5069,7 +5043,7 @@
           <a:p>
             <a:fld id="{1160EA64-D806-43AC-9DF2-F8C432F32B4C}" type="datetimeFigureOut">
               <a:rPr lang="en-US" smtClean="0"/>
-              <a:t>10/23/22</a:t>
+              <a:t>4/3/2023</a:t>
             </a:fld>
             <a:endParaRPr lang="en-US" dirty="0"/>
           </a:p>
@@ -5248,7 +5222,7 @@
           <a:p>
             <a:fld id="{E9F9C37B-1D36-470B-8223-D6C91242EC14}" type="datetimeFigureOut">
               <a:rPr lang="en-US" smtClean="0"/>
-              <a:t>10/23/22</a:t>
+              <a:t>4/3/2023</a:t>
             </a:fld>
             <a:endParaRPr lang="en-US" dirty="0"/>
           </a:p>
@@ -5429,7 +5403,7 @@
           <a:p>
             <a:fld id="{67C6F52A-A82B-47A2-A83A-8C4C91F2D59F}" type="datetimeFigureOut">
               <a:rPr lang="en-US" smtClean="0"/>
-              <a:t>10/23/22</a:t>
+              <a:t>4/3/2023</a:t>
             </a:fld>
             <a:endParaRPr lang="en-US" dirty="0"/>
           </a:p>
@@ -5841,7 +5815,7 @@
           <a:p>
             <a:fld id="{1D8BD707-D9CF-40AE-B4C6-C98DA3205C09}" type="datetimeFigureOut">
               <a:rPr lang="en-US"/>
-              <a:t>10/23/22</a:t>
+              <a:t>4/3/2023</a:t>
             </a:fld>
             <a:endParaRPr lang="en-US"/>
           </a:p>
@@ -6001,7 +5975,7 @@
           <a:p>
             <a:fld id="{F070A7B3-6521-4DCA-87E5-044747A908C1}" type="datetimeFigureOut">
               <a:rPr lang="en-US" smtClean="0"/>
-              <a:t>10/23/22</a:t>
+              <a:t>4/3/2023</a:t>
             </a:fld>
             <a:endParaRPr lang="en-US" dirty="0"/>
           </a:p>
@@ -6324,7 +6298,7 @@
           <a:p>
             <a:fld id="{1160EA64-D806-43AC-9DF2-F8C432F32B4C}" type="datetimeFigureOut">
               <a:rPr lang="en-US" smtClean="0"/>
-              <a:t>10/23/22</a:t>
+              <a:t>4/3/2023</a:t>
             </a:fld>
             <a:endParaRPr lang="en-US" dirty="0"/>
           </a:p>
@@ -6786,7 +6760,7 @@
           <a:p>
             <a:fld id="{AB134690-1557-4C89-A502-4959FE7FAD70}" type="datetimeFigureOut">
               <a:rPr lang="en-US" smtClean="0"/>
-              <a:t>10/23/22</a:t>
+              <a:t>4/3/2023</a:t>
             </a:fld>
             <a:endParaRPr lang="en-US" dirty="0"/>
           </a:p>
@@ -7198,7 +7172,7 @@
           <a:p>
             <a:fld id="{1160EA64-D806-43AC-9DF2-F8C432F32B4C}" type="datetimeFigureOut">
               <a:rPr lang="en-US" smtClean="0"/>
-              <a:t>10/23/22</a:t>
+              <a:t>4/3/2023</a:t>
             </a:fld>
             <a:endParaRPr lang="en-US" dirty="0"/>
           </a:p>
@@ -7318,7 +7292,7 @@
           <a:p>
             <a:fld id="{E1037C31-9E7A-4F99-8774-A0E530DE1A42}" type="datetimeFigureOut">
               <a:rPr lang="en-US" smtClean="0"/>
-              <a:t>10/23/22</a:t>
+              <a:t>4/3/2023</a:t>
             </a:fld>
             <a:endParaRPr lang="en-US" dirty="0"/>
           </a:p>
@@ -7436,7 +7410,7 @@
           <a:p>
             <a:fld id="{C278504F-A551-4DE0-9316-4DCD1D8CC752}" type="datetimeFigureOut">
               <a:rPr lang="en-US" smtClean="0"/>
-              <a:t>10/23/22</a:t>
+              <a:t>4/3/2023</a:t>
             </a:fld>
             <a:endParaRPr lang="en-US" dirty="0"/>
           </a:p>
@@ -7795,7 +7769,7 @@
           <a:p>
             <a:fld id="{D1BE4249-C0D0-4B06-8692-E8BB871AF643}" type="datetimeFigureOut">
               <a:rPr lang="en-US" smtClean="0"/>
-              <a:t>10/23/22</a:t>
+              <a:t>4/3/2023</a:t>
             </a:fld>
             <a:endParaRPr lang="en-US" dirty="0"/>
           </a:p>
@@ -8303,7 +8277,7 @@
           <a:p>
             <a:fld id="{042B0DB6-F5C7-45FB-8CF3-31B45F9C2DAC}" type="datetimeFigureOut">
               <a:rPr lang="en-US" smtClean="0"/>
-              <a:t>10/23/22</a:t>
+              <a:t>4/3/2023</a:t>
             </a:fld>
             <a:endParaRPr lang="en-US" dirty="0"/>
           </a:p>
@@ -8659,7 +8633,7 @@
           <a:p>
             <a:fld id="{1160EA64-D806-43AC-9DF2-F8C432F32B4C}" type="datetimeFigureOut">
               <a:rPr lang="en-US" smtClean="0"/>
-              <a:t>10/23/22</a:t>
+              <a:t>4/3/2023</a:t>
             </a:fld>
             <a:endParaRPr lang="en-US" dirty="0"/>
           </a:p>
@@ -12551,7 +12525,15 @@
           <a:p>
             <a:r>
               <a:rPr lang="en-US" sz="2000" dirty="0"/>
-              <a:t>The visualization of the prediction showed that the values of our statistic as small, which is desirable</a:t>
+              <a:t>The visualization of the prediction showed that the values of our statistic </a:t>
+            </a:r>
+            <a:r>
+              <a:rPr lang="en-US" sz="2000" dirty="0" smtClean="0"/>
+              <a:t>are </a:t>
+            </a:r>
+            <a:r>
+              <a:rPr lang="en-US" sz="2000" dirty="0"/>
+              <a:t>small, which is desirable</a:t>
             </a:r>
           </a:p>
           <a:p>
@@ -12699,14 +12681,27 @@
                 </a:solidFill>
                 <a:effectLst/>
               </a:rPr>
-              <a:t>75) = 0.888</a:t>
+              <a:t>75) = </a:t>
+            </a:r>
+            <a:r>
+              <a:rPr lang="en-US" sz="1800" dirty="0" smtClean="0">
+                <a:solidFill>
+                  <a:srgbClr val="0000FF"/>
+                </a:solidFill>
+                <a:effectLst/>
+              </a:rPr>
+              <a:t>0.888. </a:t>
             </a:r>
           </a:p>
           <a:p>
             <a:pPr lvl="1"/>
             <a:r>
+              <a:rPr lang="en-US" sz="1800" dirty="0" smtClean="0"/>
+              <a:t>We </a:t>
+            </a:r>
+            <a:r>
               <a:rPr lang="en-US" sz="1800" dirty="0"/>
-              <a:t>We add that to our histogram </a:t>
+              <a:t>add that to our histogram </a:t>
             </a:r>
             <a:r>
               <a:rPr lang="en-US" sz="1800" dirty="0">
@@ -12812,6 +12807,10 @@
               <a:rPr spc="-15" dirty="0"/>
               <a:t>Viewpoints</a:t>
             </a:r>
+            <a:r>
+              <a:rPr lang="en-US" spc="-15" dirty="0"/>
+              <a:t/>
+            </a:r>
             <a:br>
               <a:rPr lang="en-US" spc="-15" dirty="0"/>
             </a:br>
@@ -15376,16 +15375,16 @@
               <a:rPr sz="2400" dirty="0">
                 <a:cs typeface="Arial"/>
               </a:rPr>
-              <a:t>suggest “biased  </a:t>
-            </a:r>
-            <a:r>
-              <a:rPr sz="2400" spc="-5" dirty="0">
+              <a:t>suggest “biased </a:t>
+            </a:r>
+            <a:r>
+              <a:rPr sz="2400" spc="-5" dirty="0" smtClean="0">
                 <a:cs typeface="Arial"/>
               </a:rPr>
               <a:t>towards</a:t>
             </a:r>
             <a:r>
-              <a:rPr sz="2400" spc="-15" dirty="0">
+              <a:rPr sz="2400" spc="-15" dirty="0" smtClean="0">
                 <a:cs typeface="Arial"/>
               </a:rPr>
               <a:t> </a:t>
@@ -15772,7 +15771,7 @@
           </a:bodyPr>
           <a:lstStyle/>
           <a:p>
-            <a:pPr marL="12700" marR="5080">
+            <a:pPr marL="12700" marR="5080" algn="just">
               <a:lnSpc>
                 <a:spcPct val="99300"/>
               </a:lnSpc>
@@ -15874,7 +15873,19 @@
               <a:rPr sz="2400" dirty="0">
                 <a:cs typeface="Arial"/>
               </a:rPr>
-              <a:t>a  representative cross section </a:t>
+              <a:t>a </a:t>
+            </a:r>
+            <a:r>
+              <a:rPr sz="2400" dirty="0" smtClean="0">
+                <a:cs typeface="Arial"/>
+              </a:rPr>
+              <a:t>representative </a:t>
+            </a:r>
+            <a:r>
+              <a:rPr sz="2400" dirty="0">
+                <a:cs typeface="Arial"/>
+              </a:rPr>
+              <a:t>cross section </a:t>
             </a:r>
             <a:r>
               <a:rPr sz="2400" spc="-5" dirty="0">
@@ -15892,10 +15903,10 @@
               <a:rPr sz="2400" spc="-5" dirty="0">
                 <a:cs typeface="Arial"/>
               </a:rPr>
-              <a:t>area  </a:t>
-            </a:r>
-            <a:r>
-              <a:rPr sz="2400" dirty="0">
+              <a:t>area </a:t>
+            </a:r>
+            <a:r>
+              <a:rPr sz="2400" dirty="0" smtClean="0">
                 <a:cs typeface="Arial"/>
               </a:rPr>
               <a:t>served </a:t>
@@ -17656,10 +17667,16 @@
               <a:t>see </a:t>
             </a:r>
             <a:r>
-              <a:rPr sz="2400" spc="-5" dirty="0">
-                <a:cs typeface="Arial"/>
-              </a:rPr>
-              <a:t>whether the the distribution of ethnicities of the  panels is </a:t>
+              <a:rPr sz="2400" spc="-5" dirty="0" smtClean="0">
+                <a:cs typeface="Arial"/>
+              </a:rPr>
+              <a:t>whether </a:t>
+            </a:r>
+            <a:r>
+              <a:rPr sz="2400" spc="-5" dirty="0">
+                <a:cs typeface="Arial"/>
+              </a:rPr>
+              <a:t>the distribution of ethnicities of the  panels is </a:t>
             </a:r>
             <a:r>
               <a:rPr sz="2400" dirty="0">
@@ -17671,10 +17688,10 @@
               <a:rPr sz="2400" spc="-5" dirty="0">
                 <a:cs typeface="Arial"/>
               </a:rPr>
-              <a:t>to that of the eligible jurors, we have to  </a:t>
-            </a:r>
-            <a:r>
-              <a:rPr sz="2400" dirty="0">
+              <a:t>to that of the eligible jurors, we have to </a:t>
+            </a:r>
+            <a:r>
+              <a:rPr sz="2400" dirty="0" smtClean="0">
                 <a:cs typeface="Arial"/>
               </a:rPr>
               <a:t>measure </a:t>
@@ -18563,7 +18580,13 @@
               <a:rPr sz="2200" spc="-5" dirty="0">
                 <a:cs typeface="Arial"/>
               </a:rPr>
-              <a:t>distance  between </a:t>
+              <a:t>distance </a:t>
+            </a:r>
+            <a:r>
+              <a:rPr sz="2200" spc="-5" dirty="0" smtClean="0">
+                <a:cs typeface="Arial"/>
+              </a:rPr>
+              <a:t>between </a:t>
             </a:r>
             <a:r>
               <a:rPr sz="2200" dirty="0">
@@ -18644,7 +18667,19 @@
               <a:rPr sz="2200" spc="-5" dirty="0">
                 <a:cs typeface="Arial"/>
               </a:rPr>
-              <a:t>TVD  from the </a:t>
+              <a:t>TVD </a:t>
+            </a:r>
+            <a:r>
+              <a:rPr sz="2200" spc="-5" dirty="0" smtClean="0">
+                <a:cs typeface="Arial"/>
+              </a:rPr>
+              <a:t>from </a:t>
+            </a:r>
+            <a:r>
+              <a:rPr sz="2200" spc="-5" dirty="0">
+                <a:cs typeface="Arial"/>
+              </a:rPr>
+              <a:t>the </a:t>
             </a:r>
             <a:r>
               <a:rPr sz="2200" dirty="0">
@@ -19788,6 +19823,14 @@
                 </a:solidFill>
               </a:rPr>
               <a:t> </a:t>
+            </a:r>
+            <a:r>
+              <a:rPr lang="en-US" sz="3600" spc="-5" dirty="0">
+                <a:solidFill>
+                  <a:schemeClr val="tx1"/>
+                </a:solidFill>
+              </a:rPr>
+              <a:t/>
             </a:r>
             <a:br>
               <a:rPr lang="en-US" sz="3600" spc="-5" dirty="0">
@@ -48460,6 +48503,14 @@
   <p:clrMapOvr>
     <a:masterClrMapping/>
   </p:clrMapOvr>
+  <mc:AlternateContent xmlns:mc="http://schemas.openxmlformats.org/markup-compatibility/2006">
+    <mc:Choice xmlns:p14="http://schemas.microsoft.com/office/powerpoint/2010/main" Requires="p14">
+      <p:transition spd="slow" p14:dur="2000"/>
+    </mc:Choice>
+    <mc:Fallback>
+      <p:transition spd="slow"/>
+    </mc:Fallback>
+  </mc:AlternateContent>
 </p:sld>
 </file>
 
@@ -48617,6 +48668,14 @@
   <p:clrMapOvr>
     <a:masterClrMapping/>
   </p:clrMapOvr>
+  <mc:AlternateContent xmlns:mc="http://schemas.openxmlformats.org/markup-compatibility/2006">
+    <mc:Choice xmlns:p14="http://schemas.microsoft.com/office/powerpoint/2010/main" Requires="p14">
+      <p:transition spd="slow" p14:dur="2000"/>
+    </mc:Choice>
+    <mc:Fallback>
+      <p:transition spd="slow"/>
+    </mc:Fallback>
+  </mc:AlternateContent>
 </p:sld>
 </file>
 

--- a/module6/6-slides.pptx
+++ b/module6/6-slides.pptx
@@ -2544,7 +2544,27 @@
                 <a:effectLst/>
                 <a:latin typeface="-apple-system"/>
               </a:rPr>
-              <a:t>In order to decide between the two hypothesis, we must choose a statistic that we can use to make the decision. </a:t>
+              <a:t>In order to decide between the two </a:t>
+            </a:r>
+            <a:r>
+              <a:rPr lang="en-US" b="0" i="0" dirty="0" smtClean="0">
+                <a:solidFill>
+                  <a:srgbClr val="494E52"/>
+                </a:solidFill>
+                <a:effectLst/>
+                <a:latin typeface="-apple-system"/>
+              </a:rPr>
+              <a:t>hypotheses</a:t>
+            </a:r>
+            <a:r>
+              <a:rPr lang="en-US" b="0" i="0" dirty="0">
+                <a:solidFill>
+                  <a:srgbClr val="494E52"/>
+                </a:solidFill>
+                <a:effectLst/>
+                <a:latin typeface="-apple-system"/>
+              </a:rPr>
+              <a:t>, we must choose a statistic that we can use to make the decision. </a:t>
             </a:r>
           </a:p>
           <a:p>
@@ -5043,7 +5063,7 @@
           <a:p>
             <a:fld id="{1160EA64-D806-43AC-9DF2-F8C432F32B4C}" type="datetimeFigureOut">
               <a:rPr lang="en-US" smtClean="0"/>
-              <a:t>4/3/2023</a:t>
+              <a:t>4/5/2023</a:t>
             </a:fld>
             <a:endParaRPr lang="en-US" dirty="0"/>
           </a:p>
@@ -5222,7 +5242,7 @@
           <a:p>
             <a:fld id="{E9F9C37B-1D36-470B-8223-D6C91242EC14}" type="datetimeFigureOut">
               <a:rPr lang="en-US" smtClean="0"/>
-              <a:t>4/3/2023</a:t>
+              <a:t>4/5/2023</a:t>
             </a:fld>
             <a:endParaRPr lang="en-US" dirty="0"/>
           </a:p>
@@ -5403,7 +5423,7 @@
           <a:p>
             <a:fld id="{67C6F52A-A82B-47A2-A83A-8C4C91F2D59F}" type="datetimeFigureOut">
               <a:rPr lang="en-US" smtClean="0"/>
-              <a:t>4/3/2023</a:t>
+              <a:t>4/5/2023</a:t>
             </a:fld>
             <a:endParaRPr lang="en-US" dirty="0"/>
           </a:p>
@@ -5815,7 +5835,7 @@
           <a:p>
             <a:fld id="{1D8BD707-D9CF-40AE-B4C6-C98DA3205C09}" type="datetimeFigureOut">
               <a:rPr lang="en-US"/>
-              <a:t>4/3/2023</a:t>
+              <a:t>4/5/2023</a:t>
             </a:fld>
             <a:endParaRPr lang="en-US"/>
           </a:p>
@@ -5975,7 +5995,7 @@
           <a:p>
             <a:fld id="{F070A7B3-6521-4DCA-87E5-044747A908C1}" type="datetimeFigureOut">
               <a:rPr lang="en-US" smtClean="0"/>
-              <a:t>4/3/2023</a:t>
+              <a:t>4/5/2023</a:t>
             </a:fld>
             <a:endParaRPr lang="en-US" dirty="0"/>
           </a:p>
@@ -6298,7 +6318,7 @@
           <a:p>
             <a:fld id="{1160EA64-D806-43AC-9DF2-F8C432F32B4C}" type="datetimeFigureOut">
               <a:rPr lang="en-US" smtClean="0"/>
-              <a:t>4/3/2023</a:t>
+              <a:t>4/5/2023</a:t>
             </a:fld>
             <a:endParaRPr lang="en-US" dirty="0"/>
           </a:p>
@@ -6760,7 +6780,7 @@
           <a:p>
             <a:fld id="{AB134690-1557-4C89-A502-4959FE7FAD70}" type="datetimeFigureOut">
               <a:rPr lang="en-US" smtClean="0"/>
-              <a:t>4/3/2023</a:t>
+              <a:t>4/5/2023</a:t>
             </a:fld>
             <a:endParaRPr lang="en-US" dirty="0"/>
           </a:p>
@@ -7172,7 +7192,7 @@
           <a:p>
             <a:fld id="{1160EA64-D806-43AC-9DF2-F8C432F32B4C}" type="datetimeFigureOut">
               <a:rPr lang="en-US" smtClean="0"/>
-              <a:t>4/3/2023</a:t>
+              <a:t>4/5/2023</a:t>
             </a:fld>
             <a:endParaRPr lang="en-US" dirty="0"/>
           </a:p>
@@ -7292,7 +7312,7 @@
           <a:p>
             <a:fld id="{E1037C31-9E7A-4F99-8774-A0E530DE1A42}" type="datetimeFigureOut">
               <a:rPr lang="en-US" smtClean="0"/>
-              <a:t>4/3/2023</a:t>
+              <a:t>4/5/2023</a:t>
             </a:fld>
             <a:endParaRPr lang="en-US" dirty="0"/>
           </a:p>
@@ -7410,7 +7430,7 @@
           <a:p>
             <a:fld id="{C278504F-A551-4DE0-9316-4DCD1D8CC752}" type="datetimeFigureOut">
               <a:rPr lang="en-US" smtClean="0"/>
-              <a:t>4/3/2023</a:t>
+              <a:t>4/5/2023</a:t>
             </a:fld>
             <a:endParaRPr lang="en-US" dirty="0"/>
           </a:p>
@@ -7769,7 +7789,7 @@
           <a:p>
             <a:fld id="{D1BE4249-C0D0-4B06-8692-E8BB871AF643}" type="datetimeFigureOut">
               <a:rPr lang="en-US" smtClean="0"/>
-              <a:t>4/3/2023</a:t>
+              <a:t>4/5/2023</a:t>
             </a:fld>
             <a:endParaRPr lang="en-US" dirty="0"/>
           </a:p>
@@ -8277,7 +8297,7 @@
           <a:p>
             <a:fld id="{042B0DB6-F5C7-45FB-8CF3-31B45F9C2DAC}" type="datetimeFigureOut">
               <a:rPr lang="en-US" smtClean="0"/>
-              <a:t>4/3/2023</a:t>
+              <a:t>4/5/2023</a:t>
             </a:fld>
             <a:endParaRPr lang="en-US" dirty="0"/>
           </a:p>
@@ -8633,7 +8653,7 @@
           <a:p>
             <a:fld id="{1160EA64-D806-43AC-9DF2-F8C432F32B4C}" type="datetimeFigureOut">
               <a:rPr lang="en-US" smtClean="0"/>
-              <a:t>4/3/2023</a:t>
+              <a:t>4/5/2023</a:t>
             </a:fld>
             <a:endParaRPr lang="en-US" dirty="0"/>
           </a:p>
@@ -22600,7 +22620,7 @@
         <p:spPr>
           <a:xfrm>
             <a:off x="574724" y="1334842"/>
-            <a:ext cx="7759065" cy="3109184"/>
+            <a:ext cx="7759065" cy="2601353"/>
           </a:xfrm>
           <a:prstGeom prst="rect">
             <a:avLst/>
@@ -22647,13 +22667,19 @@
               <a:t> </a:t>
             </a:r>
             <a:r>
-              <a:rPr sz="2400" dirty="0">
-                <a:cs typeface="Arial"/>
-              </a:rPr>
-              <a:t>Statistics</a:t>
-            </a:r>
-            <a:r>
-              <a:rPr sz="2400" spc="-20" dirty="0">
+              <a:rPr lang="en-US" sz="2400" dirty="0" smtClean="0">
+                <a:cs typeface="Arial"/>
+              </a:rPr>
+              <a:t>S</a:t>
+            </a:r>
+            <a:r>
+              <a:rPr sz="2400" dirty="0" smtClean="0">
+                <a:cs typeface="Arial"/>
+              </a:rPr>
+              <a:t>tatistics</a:t>
+            </a:r>
+            <a:r>
+              <a:rPr sz="2400" spc="-20" dirty="0" smtClean="0">
                 <a:cs typeface="Arial"/>
               </a:rPr>
               <a:t> </a:t>
@@ -22803,29 +22829,11 @@
               <a:t> </a:t>
             </a:r>
             <a:r>
-              <a:rPr sz="2400" spc="-10" dirty="0">
+              <a:rPr sz="2400" spc="-10" dirty="0" smtClean="0">
                 <a:cs typeface="Arial"/>
               </a:rPr>
               <a:t>sections</a:t>
             </a:r>
-            <a:endParaRPr sz="2400" dirty="0">
-              <a:cs typeface="Arial"/>
-            </a:endParaRPr>
-          </a:p>
-          <a:p>
-            <a:pPr>
-              <a:lnSpc>
-                <a:spcPct val="100000"/>
-              </a:lnSpc>
-              <a:spcBef>
-                <a:spcPts val="15"/>
-              </a:spcBef>
-              <a:buClr>
-                <a:srgbClr val="C4820D"/>
-              </a:buClr>
-              <a:buFont typeface="Arial"/>
-              <a:buChar char="●"/>
-            </a:pPr>
             <a:endParaRPr sz="3300" dirty="0">
               <a:cs typeface="Arial"/>
             </a:endParaRPr>
@@ -27313,7 +27321,7 @@
 </file>
 
 <file path=ppt/slides/slide54.xml><?xml version="1.0" encoding="utf-8"?>
-<p:sld xmlns:a="http://schemas.openxmlformats.org/drawingml/2006/main" xmlns:r="http://schemas.openxmlformats.org/officeDocument/2006/relationships" xmlns:p="http://schemas.openxmlformats.org/presentationml/2006/main">
+<p:sld xmlns:a="http://schemas.openxmlformats.org/drawingml/2006/main" xmlns:r="http://schemas.openxmlformats.org/officeDocument/2006/relationships" xmlns:p="http://schemas.openxmlformats.org/presentationml/2006/main" show="0">
   <p:cSld>
     <p:spTree>
       <p:nvGrpSpPr>
@@ -27406,11 +27414,19 @@
   <p:clrMapOvr>
     <a:masterClrMapping/>
   </p:clrMapOvr>
+  <mc:AlternateContent xmlns:mc="http://schemas.openxmlformats.org/markup-compatibility/2006">
+    <mc:Choice xmlns:p14="http://schemas.microsoft.com/office/powerpoint/2010/main" Requires="p14">
+      <p:transition spd="slow" p14:dur="2000"/>
+    </mc:Choice>
+    <mc:Fallback>
+      <p:transition spd="slow"/>
+    </mc:Fallback>
+  </mc:AlternateContent>
 </p:sld>
 </file>
 
 <file path=ppt/slides/slide55.xml><?xml version="1.0" encoding="utf-8"?>
-<p:sld xmlns:a="http://schemas.openxmlformats.org/drawingml/2006/main" xmlns:r="http://schemas.openxmlformats.org/officeDocument/2006/relationships" xmlns:p="http://schemas.openxmlformats.org/presentationml/2006/main">
+<p:sld xmlns:a="http://schemas.openxmlformats.org/drawingml/2006/main" xmlns:r="http://schemas.openxmlformats.org/officeDocument/2006/relationships" xmlns:p="http://schemas.openxmlformats.org/presentationml/2006/main" show="0">
   <p:cSld>
     <p:spTree>
       <p:nvGrpSpPr>
@@ -27796,13 +27812,25 @@
               <a:t> </a:t>
             </a:r>
             <a:r>
-              <a:rPr sz="2000" dirty="0">
-                <a:cs typeface="Arial"/>
-              </a:rPr>
-              <a:t>(1):</a:t>
-            </a:r>
-            <a:r>
-              <a:rPr sz="2000" spc="100" dirty="0">
+              <a:rPr sz="2000" dirty="0" smtClean="0">
+                <a:cs typeface="Arial"/>
+              </a:rPr>
+              <a:t>(</a:t>
+            </a:r>
+            <a:r>
+              <a:rPr lang="en-US" sz="2000" dirty="0" smtClean="0">
+                <a:cs typeface="Arial"/>
+              </a:rPr>
+              <a:t>2</a:t>
+            </a:r>
+            <a:r>
+              <a:rPr sz="2000" dirty="0" smtClean="0">
+                <a:cs typeface="Arial"/>
+              </a:rPr>
+              <a:t>):</a:t>
+            </a:r>
+            <a:r>
+              <a:rPr sz="2000" spc="100" dirty="0" smtClean="0">
                 <a:cs typeface="Arial"/>
               </a:rPr>
               <a:t> </a:t>
@@ -28461,6 +28489,14 @@
   <p:clrMapOvr>
     <a:masterClrMapping/>
   </p:clrMapOvr>
+  <mc:AlternateContent xmlns:mc="http://schemas.openxmlformats.org/markup-compatibility/2006">
+    <mc:Choice xmlns:p14="http://schemas.microsoft.com/office/powerpoint/2010/main" Requires="p14">
+      <p:transition spd="slow" p14:dur="2000"/>
+    </mc:Choice>
+    <mc:Fallback>
+      <p:transition spd="slow"/>
+    </mc:Fallback>
+  </mc:AlternateContent>
 </p:sld>
 </file>
 
@@ -48503,11 +48539,11 @@
   <p:clrMapOvr>
     <a:masterClrMapping/>
   </p:clrMapOvr>
-  <mc:AlternateContent xmlns:mc="http://schemas.openxmlformats.org/markup-compatibility/2006">
-    <mc:Choice xmlns:p14="http://schemas.microsoft.com/office/powerpoint/2010/main" Requires="p14">
+  <mc:AlternateContent xmlns:mc="http://schemas.openxmlformats.org/markup-compatibility/2006" xmlns:p14="http://schemas.microsoft.com/office/powerpoint/2010/main">
+    <mc:Choice Requires="p14">
       <p:transition spd="slow" p14:dur="2000"/>
     </mc:Choice>
-    <mc:Fallback>
+    <mc:Fallback xmlns="">
       <p:transition spd="slow"/>
     </mc:Fallback>
   </mc:AlternateContent>
@@ -48668,11 +48704,11 @@
   <p:clrMapOvr>
     <a:masterClrMapping/>
   </p:clrMapOvr>
-  <mc:AlternateContent xmlns:mc="http://schemas.openxmlformats.org/markup-compatibility/2006">
-    <mc:Choice xmlns:p14="http://schemas.microsoft.com/office/powerpoint/2010/main" Requires="p14">
+  <mc:AlternateContent xmlns:mc="http://schemas.openxmlformats.org/markup-compatibility/2006" xmlns:p14="http://schemas.microsoft.com/office/powerpoint/2010/main">
+    <mc:Choice Requires="p14">
       <p:transition spd="slow" p14:dur="2000"/>
     </mc:Choice>
-    <mc:Fallback>
+    <mc:Fallback xmlns="">
       <p:transition spd="slow"/>
     </mc:Fallback>
   </mc:AlternateContent>
